--- a/Implémentation de protocole  SSL dans TOMCAT.pptx
+++ b/Implémentation de protocole  SSL dans TOMCAT.pptx
@@ -964,42 +964,49 @@
           <a:bodyPr/>
           <a:lstStyle/>
           <a:p>
-            <a:pPr lvl="0"/>
-            <a:r>
-              <a:rPr lang="fr-FR" sz="1200" kern="1200" dirty="0" smtClean="0">
-                <a:solidFill>
-                  <a:schemeClr val="tx1"/>
-                </a:solidFill>
-                <a:effectLst/>
-                <a:latin typeface="+mn-lt"/>
-                <a:ea typeface="+mn-ea"/>
-                <a:cs typeface="+mn-cs"/>
-              </a:rPr>
-              <a:t>la version SSL / méthodes de chiffrement (symétrique et asymétrique) /</a:t>
-            </a:r>
-            <a:r>
-              <a:rPr lang="fr-FR" sz="1200" kern="1200" baseline="0" dirty="0" smtClean="0">
-                <a:solidFill>
-                  <a:schemeClr val="tx1"/>
-                </a:solidFill>
-                <a:effectLst/>
-                <a:latin typeface="+mn-lt"/>
-                <a:ea typeface="+mn-ea"/>
-                <a:cs typeface="+mn-cs"/>
-              </a:rPr>
-              <a:t> </a:t>
-            </a:r>
-            <a:r>
-              <a:rPr lang="fr-FR" sz="1200" kern="1200" dirty="0" smtClean="0">
-                <a:solidFill>
-                  <a:schemeClr val="tx1"/>
-                </a:solidFill>
-                <a:effectLst/>
-                <a:latin typeface="+mn-lt"/>
-                <a:ea typeface="+mn-ea"/>
-                <a:cs typeface="+mn-cs"/>
-              </a:rPr>
-              <a:t>signature / méthodes de compression / les certificats</a:t>
+            <a:r>
+              <a:rPr lang="fr-FR" dirty="0" smtClean="0"/>
+              <a:t>Au début de la communication le client et le serveur s'échangent:</a:t>
+            </a:r>
+          </a:p>
+          <a:p>
+            <a:pPr marL="171450" indent="-171450">
+              <a:buFont typeface="Arial" pitchFamily="34" charset="0"/>
+              <a:buChar char="•"/>
+            </a:pPr>
+            <a:r>
+              <a:rPr lang="fr-FR" dirty="0" smtClean="0"/>
+              <a:t>La version SSL avec laquelle ils veulent travailler</a:t>
+            </a:r>
+          </a:p>
+          <a:p>
+            <a:pPr marL="171450" indent="-171450">
+              <a:buFont typeface="Arial" pitchFamily="34" charset="0"/>
+              <a:buChar char="•"/>
+            </a:pPr>
+            <a:r>
+              <a:rPr lang="fr-FR" dirty="0" smtClean="0"/>
+              <a:t>Liste des méthodes de chiffrement (symétrique et asymétrique) et de signature (avec longueurs de clés)</a:t>
+            </a:r>
+          </a:p>
+          <a:p>
+            <a:pPr marL="171450" indent="-171450">
+              <a:buFont typeface="Arial" pitchFamily="34" charset="0"/>
+              <a:buChar char="•"/>
+            </a:pPr>
+            <a:r>
+              <a:rPr lang="fr-FR" dirty="0" smtClean="0"/>
+              <a:t>Les méthodes de compression utilisés</a:t>
+            </a:r>
+          </a:p>
+          <a:p>
+            <a:pPr marL="171450" indent="-171450">
+              <a:buFont typeface="Arial" pitchFamily="34" charset="0"/>
+              <a:buChar char="•"/>
+            </a:pPr>
+            <a:r>
+              <a:rPr lang="fr-FR" dirty="0" smtClean="0"/>
+              <a:t>Les certificats.</a:t>
             </a:r>
           </a:p>
           <a:p>
@@ -1318,7 +1325,7 @@
           <a:bodyPr/>
           <a:lstStyle/>
           <a:p>
-            <a:fld id="{C49421AB-6CD8-4F21-9DB7-436C67118351}" type="datetimeFigureOut">
+            <a:fld id="{463292B7-7BB4-4AF7-BF63-07EFFC392D6A}" type="datetime1">
               <a:rPr lang="fr-FR" smtClean="0"/>
               <a:t>25/02/2018</a:t>
             </a:fld>
@@ -1488,7 +1495,7 @@
           <a:bodyPr/>
           <a:lstStyle/>
           <a:p>
-            <a:fld id="{C49421AB-6CD8-4F21-9DB7-436C67118351}" type="datetimeFigureOut">
+            <a:fld id="{C3E0F451-D563-4368-9E90-DA2E4F446465}" type="datetime1">
               <a:rPr lang="fr-FR" smtClean="0"/>
               <a:t>25/02/2018</a:t>
             </a:fld>
@@ -1668,7 +1675,7 @@
           <a:bodyPr/>
           <a:lstStyle/>
           <a:p>
-            <a:fld id="{C49421AB-6CD8-4F21-9DB7-436C67118351}" type="datetimeFigureOut">
+            <a:fld id="{0DD7D325-3626-466F-9367-724D0D532E70}" type="datetime1">
               <a:rPr lang="fr-FR" smtClean="0"/>
               <a:t>25/02/2018</a:t>
             </a:fld>
@@ -1838,7 +1845,7 @@
           <a:bodyPr/>
           <a:lstStyle/>
           <a:p>
-            <a:fld id="{C49421AB-6CD8-4F21-9DB7-436C67118351}" type="datetimeFigureOut">
+            <a:fld id="{ED4E9C50-6644-422D-BAA0-A50E444CA800}" type="datetime1">
               <a:rPr lang="fr-FR" smtClean="0"/>
               <a:t>25/02/2018</a:t>
             </a:fld>
@@ -2084,7 +2091,7 @@
           <a:bodyPr/>
           <a:lstStyle/>
           <a:p>
-            <a:fld id="{C49421AB-6CD8-4F21-9DB7-436C67118351}" type="datetimeFigureOut">
+            <a:fld id="{041E4A83-636E-4A7B-859D-578E24E5FC32}" type="datetime1">
               <a:rPr lang="fr-FR" smtClean="0"/>
               <a:t>25/02/2018</a:t>
             </a:fld>
@@ -2372,7 +2379,7 @@
           <a:bodyPr/>
           <a:lstStyle/>
           <a:p>
-            <a:fld id="{C49421AB-6CD8-4F21-9DB7-436C67118351}" type="datetimeFigureOut">
+            <a:fld id="{CE14D0E7-8717-4D92-891B-FD55BB10B780}" type="datetime1">
               <a:rPr lang="fr-FR" smtClean="0"/>
               <a:t>25/02/2018</a:t>
             </a:fld>
@@ -2794,7 +2801,7 @@
           <a:bodyPr/>
           <a:lstStyle/>
           <a:p>
-            <a:fld id="{C49421AB-6CD8-4F21-9DB7-436C67118351}" type="datetimeFigureOut">
+            <a:fld id="{C1A454D2-D251-400E-B810-7CB80CB8B1F3}" type="datetime1">
               <a:rPr lang="fr-FR" smtClean="0"/>
               <a:t>25/02/2018</a:t>
             </a:fld>
@@ -2912,7 +2919,7 @@
           <a:bodyPr/>
           <a:lstStyle/>
           <a:p>
-            <a:fld id="{C49421AB-6CD8-4F21-9DB7-436C67118351}" type="datetimeFigureOut">
+            <a:fld id="{985B0C74-1C55-4667-A9BE-20E760B8CB05}" type="datetime1">
               <a:rPr lang="fr-FR" smtClean="0"/>
               <a:t>25/02/2018</a:t>
             </a:fld>
@@ -3007,7 +3014,7 @@
           <a:bodyPr/>
           <a:lstStyle/>
           <a:p>
-            <a:fld id="{C49421AB-6CD8-4F21-9DB7-436C67118351}" type="datetimeFigureOut">
+            <a:fld id="{235ABFE1-4426-4F8B-B20B-ED8356C6CA3D}" type="datetime1">
               <a:rPr lang="fr-FR" smtClean="0"/>
               <a:t>25/02/2018</a:t>
             </a:fld>
@@ -3284,7 +3291,7 @@
           <a:bodyPr/>
           <a:lstStyle/>
           <a:p>
-            <a:fld id="{C49421AB-6CD8-4F21-9DB7-436C67118351}" type="datetimeFigureOut">
+            <a:fld id="{B67F2A34-7229-4BD3-92B9-787493A0D409}" type="datetime1">
               <a:rPr lang="fr-FR" smtClean="0"/>
               <a:t>25/02/2018</a:t>
             </a:fld>
@@ -3537,7 +3544,7 @@
           <a:bodyPr/>
           <a:lstStyle/>
           <a:p>
-            <a:fld id="{C49421AB-6CD8-4F21-9DB7-436C67118351}" type="datetimeFigureOut">
+            <a:fld id="{E796AEFF-A766-4593-A718-F1ED6C86570B}" type="datetime1">
               <a:rPr lang="fr-FR" smtClean="0"/>
               <a:t>25/02/2018</a:t>
             </a:fld>
@@ -3750,7 +3757,7 @@
             </a:lvl1pPr>
           </a:lstStyle>
           <a:p>
-            <a:fld id="{C49421AB-6CD8-4F21-9DB7-436C67118351}" type="datetimeFigureOut">
+            <a:fld id="{C4DAC9BB-4893-4B50-A30F-2560D0650920}" type="datetime1">
               <a:rPr lang="fr-FR" smtClean="0"/>
               <a:t>25/02/2018</a:t>
             </a:fld>
@@ -3857,6 +3864,7 @@
     <p:sldLayoutId id="2147483658" r:id="rId10"/>
     <p:sldLayoutId id="2147483659" r:id="rId11"/>
   </p:sldLayoutIdLst>
+  <p:hf hdr="0" ftr="0" dt="0"/>
   <p:txStyles>
     <p:titleStyle>
       <a:lvl1pPr algn="ctr" defTabSz="914400" rtl="0" eaLnBrk="1" latinLnBrk="0" hangingPunct="1">
@@ -4195,6 +4203,29 @@
           </a:p>
         </p:txBody>
       </p:sp>
+      <p:sp>
+        <p:nvSpPr>
+          <p:cNvPr id="4" name="Slide Number Placeholder 3"/>
+          <p:cNvSpPr>
+            <a:spLocks noGrp="1"/>
+          </p:cNvSpPr>
+          <p:nvPr>
+            <p:ph type="sldNum" sz="quarter" idx="12"/>
+          </p:nvPr>
+        </p:nvSpPr>
+        <p:spPr/>
+        <p:txBody>
+          <a:bodyPr/>
+          <a:lstStyle/>
+          <a:p>
+            <a:fld id="{1B3B9D33-F80B-4AF2-BDC2-5933B5EC27E4}" type="slidenum">
+              <a:rPr lang="fr-FR" smtClean="0"/>
+              <a:t>1</a:t>
+            </a:fld>
+            <a:endParaRPr lang="fr-FR"/>
+          </a:p>
+        </p:txBody>
+      </p:sp>
     </p:spTree>
     <p:extLst>
       <p:ext uri="{BB962C8B-B14F-4D97-AF65-F5344CB8AC3E}">
@@ -4365,6 +4396,29 @@
           </a:prstGeom>
         </p:spPr>
       </p:pic>
+      <p:sp>
+        <p:nvSpPr>
+          <p:cNvPr id="5" name="Slide Number Placeholder 4"/>
+          <p:cNvSpPr>
+            <a:spLocks noGrp="1"/>
+          </p:cNvSpPr>
+          <p:nvPr>
+            <p:ph type="sldNum" sz="quarter" idx="12"/>
+          </p:nvPr>
+        </p:nvSpPr>
+        <p:spPr/>
+        <p:txBody>
+          <a:bodyPr/>
+          <a:lstStyle/>
+          <a:p>
+            <a:fld id="{1B3B9D33-F80B-4AF2-BDC2-5933B5EC27E4}" type="slidenum">
+              <a:rPr lang="fr-FR" smtClean="0"/>
+              <a:t>10</a:t>
+            </a:fld>
+            <a:endParaRPr lang="fr-FR"/>
+          </a:p>
+        </p:txBody>
+      </p:sp>
     </p:spTree>
     <p:extLst>
       <p:ext uri="{BB962C8B-B14F-4D97-AF65-F5344CB8AC3E}">
@@ -4456,6 +4510,29 @@
           </a:xfrm>
         </p:spPr>
       </p:pic>
+      <p:sp>
+        <p:nvSpPr>
+          <p:cNvPr id="7" name="Slide Number Placeholder 6"/>
+          <p:cNvSpPr>
+            <a:spLocks noGrp="1"/>
+          </p:cNvSpPr>
+          <p:nvPr>
+            <p:ph type="sldNum" sz="quarter" idx="12"/>
+          </p:nvPr>
+        </p:nvSpPr>
+        <p:spPr/>
+        <p:txBody>
+          <a:bodyPr/>
+          <a:lstStyle/>
+          <a:p>
+            <a:fld id="{1B3B9D33-F80B-4AF2-BDC2-5933B5EC27E4}" type="slidenum">
+              <a:rPr lang="fr-FR" smtClean="0"/>
+              <a:t>11</a:t>
+            </a:fld>
+            <a:endParaRPr lang="fr-FR"/>
+          </a:p>
+        </p:txBody>
+      </p:sp>
     </p:spTree>
     <p:extLst>
       <p:ext uri="{BB962C8B-B14F-4D97-AF65-F5344CB8AC3E}">
@@ -4667,6 +4744,29 @@
           </a:p>
         </p:txBody>
       </p:sp>
+      <p:sp>
+        <p:nvSpPr>
+          <p:cNvPr id="4" name="Slide Number Placeholder 3"/>
+          <p:cNvSpPr>
+            <a:spLocks noGrp="1"/>
+          </p:cNvSpPr>
+          <p:nvPr>
+            <p:ph type="sldNum" sz="quarter" idx="12"/>
+          </p:nvPr>
+        </p:nvSpPr>
+        <p:spPr/>
+        <p:txBody>
+          <a:bodyPr/>
+          <a:lstStyle/>
+          <a:p>
+            <a:fld id="{1B3B9D33-F80B-4AF2-BDC2-5933B5EC27E4}" type="slidenum">
+              <a:rPr lang="fr-FR" smtClean="0"/>
+              <a:t>12</a:t>
+            </a:fld>
+            <a:endParaRPr lang="fr-FR"/>
+          </a:p>
+        </p:txBody>
+      </p:sp>
     </p:spTree>
     <p:extLst>
       <p:ext uri="{BB962C8B-B14F-4D97-AF65-F5344CB8AC3E}">
@@ -4812,6 +4912,29 @@
           </a:p>
         </p:txBody>
       </p:sp>
+      <p:sp>
+        <p:nvSpPr>
+          <p:cNvPr id="5" name="Slide Number Placeholder 4"/>
+          <p:cNvSpPr>
+            <a:spLocks noGrp="1"/>
+          </p:cNvSpPr>
+          <p:nvPr>
+            <p:ph type="sldNum" sz="quarter" idx="12"/>
+          </p:nvPr>
+        </p:nvSpPr>
+        <p:spPr/>
+        <p:txBody>
+          <a:bodyPr/>
+          <a:lstStyle/>
+          <a:p>
+            <a:fld id="{1B3B9D33-F80B-4AF2-BDC2-5933B5EC27E4}" type="slidenum">
+              <a:rPr lang="fr-FR" smtClean="0"/>
+              <a:t>13</a:t>
+            </a:fld>
+            <a:endParaRPr lang="fr-FR"/>
+          </a:p>
+        </p:txBody>
+      </p:sp>
     </p:spTree>
     <p:extLst>
       <p:ext uri="{BB962C8B-B14F-4D97-AF65-F5344CB8AC3E}">
@@ -4939,6 +5062,29 @@
           </a:p>
         </p:txBody>
       </p:sp>
+      <p:sp>
+        <p:nvSpPr>
+          <p:cNvPr id="4" name="Slide Number Placeholder 3"/>
+          <p:cNvSpPr>
+            <a:spLocks noGrp="1"/>
+          </p:cNvSpPr>
+          <p:nvPr>
+            <p:ph type="sldNum" sz="quarter" idx="12"/>
+          </p:nvPr>
+        </p:nvSpPr>
+        <p:spPr/>
+        <p:txBody>
+          <a:bodyPr/>
+          <a:lstStyle/>
+          <a:p>
+            <a:fld id="{1B3B9D33-F80B-4AF2-BDC2-5933B5EC27E4}" type="slidenum">
+              <a:rPr lang="fr-FR" smtClean="0"/>
+              <a:t>14</a:t>
+            </a:fld>
+            <a:endParaRPr lang="fr-FR"/>
+          </a:p>
+        </p:txBody>
+      </p:sp>
     </p:spTree>
     <p:extLst>
       <p:ext uri="{BB962C8B-B14F-4D97-AF65-F5344CB8AC3E}">
@@ -5066,6 +5212,29 @@
           </a:p>
         </p:txBody>
       </p:sp>
+      <p:sp>
+        <p:nvSpPr>
+          <p:cNvPr id="4" name="Slide Number Placeholder 3"/>
+          <p:cNvSpPr>
+            <a:spLocks noGrp="1"/>
+          </p:cNvSpPr>
+          <p:nvPr>
+            <p:ph type="sldNum" sz="quarter" idx="12"/>
+          </p:nvPr>
+        </p:nvSpPr>
+        <p:spPr/>
+        <p:txBody>
+          <a:bodyPr/>
+          <a:lstStyle/>
+          <a:p>
+            <a:fld id="{1B3B9D33-F80B-4AF2-BDC2-5933B5EC27E4}" type="slidenum">
+              <a:rPr lang="fr-FR" smtClean="0"/>
+              <a:t>15</a:t>
+            </a:fld>
+            <a:endParaRPr lang="fr-FR"/>
+          </a:p>
+        </p:txBody>
+      </p:sp>
     </p:spTree>
     <p:extLst>
       <p:ext uri="{BB962C8B-B14F-4D97-AF65-F5344CB8AC3E}">
@@ -5249,6 +5418,29 @@
               <a:buNone/>
             </a:pPr>
             <a:endParaRPr lang="fr-FR" sz="2800" dirty="0"/>
+          </a:p>
+        </p:txBody>
+      </p:sp>
+      <p:sp>
+        <p:nvSpPr>
+          <p:cNvPr id="4" name="Slide Number Placeholder 3"/>
+          <p:cNvSpPr>
+            <a:spLocks noGrp="1"/>
+          </p:cNvSpPr>
+          <p:nvPr>
+            <p:ph type="sldNum" sz="quarter" idx="12"/>
+          </p:nvPr>
+        </p:nvSpPr>
+        <p:spPr/>
+        <p:txBody>
+          <a:bodyPr/>
+          <a:lstStyle/>
+          <a:p>
+            <a:fld id="{1B3B9D33-F80B-4AF2-BDC2-5933B5EC27E4}" type="slidenum">
+              <a:rPr lang="fr-FR" smtClean="0"/>
+              <a:t>16</a:t>
+            </a:fld>
+            <a:endParaRPr lang="fr-FR"/>
           </a:p>
         </p:txBody>
       </p:sp>
@@ -5560,6 +5752,29 @@
           </a:p>
         </p:txBody>
       </p:sp>
+      <p:sp>
+        <p:nvSpPr>
+          <p:cNvPr id="8" name="Slide Number Placeholder 7"/>
+          <p:cNvSpPr>
+            <a:spLocks noGrp="1"/>
+          </p:cNvSpPr>
+          <p:nvPr>
+            <p:ph type="sldNum" sz="quarter" idx="12"/>
+          </p:nvPr>
+        </p:nvSpPr>
+        <p:spPr/>
+        <p:txBody>
+          <a:bodyPr/>
+          <a:lstStyle/>
+          <a:p>
+            <a:fld id="{1B3B9D33-F80B-4AF2-BDC2-5933B5EC27E4}" type="slidenum">
+              <a:rPr lang="fr-FR" smtClean="0"/>
+              <a:t>17</a:t>
+            </a:fld>
+            <a:endParaRPr lang="fr-FR"/>
+          </a:p>
+        </p:txBody>
+      </p:sp>
     </p:spTree>
     <p:extLst>
       <p:ext uri="{BB962C8B-B14F-4D97-AF65-F5344CB8AC3E}">
@@ -5794,6 +6009,29 @@
           </a:p>
         </p:txBody>
       </p:sp>
+      <p:sp>
+        <p:nvSpPr>
+          <p:cNvPr id="4" name="Slide Number Placeholder 3"/>
+          <p:cNvSpPr>
+            <a:spLocks noGrp="1"/>
+          </p:cNvSpPr>
+          <p:nvPr>
+            <p:ph type="sldNum" sz="quarter" idx="12"/>
+          </p:nvPr>
+        </p:nvSpPr>
+        <p:spPr/>
+        <p:txBody>
+          <a:bodyPr/>
+          <a:lstStyle/>
+          <a:p>
+            <a:fld id="{1B3B9D33-F80B-4AF2-BDC2-5933B5EC27E4}" type="slidenum">
+              <a:rPr lang="fr-FR" smtClean="0"/>
+              <a:t>18</a:t>
+            </a:fld>
+            <a:endParaRPr lang="fr-FR"/>
+          </a:p>
+        </p:txBody>
+      </p:sp>
     </p:spTree>
     <p:extLst>
       <p:ext uri="{BB962C8B-B14F-4D97-AF65-F5344CB8AC3E}">
@@ -5879,52 +6117,25 @@
             </a:pPr>
             <a:r>
               <a:rPr lang="fr-FR" sz="2400" dirty="0" smtClean="0"/>
-              <a:t>Exécutez la commande suivante pour générer le certificat: </a:t>
-            </a:r>
-            <a:r>
-              <a:rPr lang="en-US" sz="2000" i="1" dirty="0" smtClean="0"/>
-              <a:t>Keytool </a:t>
-            </a:r>
-            <a:r>
-              <a:rPr lang="en-US" sz="2000" i="1" dirty="0" smtClean="0"/>
-              <a:t>- </a:t>
-            </a:r>
-            <a:r>
-              <a:rPr lang="en-US" sz="2000" i="1" dirty="0" smtClean="0"/>
-              <a:t>genkeypair </a:t>
-            </a:r>
-            <a:r>
-              <a:rPr lang="en-US" sz="2000" i="1" dirty="0" smtClean="0"/>
-              <a:t>- </a:t>
-            </a:r>
-            <a:r>
-              <a:rPr lang="en-US" sz="2000" i="1" dirty="0" smtClean="0"/>
-              <a:t>alias MyCert  -keyalg RSA </a:t>
-            </a:r>
-            <a:r>
-              <a:rPr lang="en-US" sz="2000" i="1" dirty="0" smtClean="0"/>
-              <a:t>- </a:t>
-            </a:r>
-            <a:r>
-              <a:rPr lang="en-US" sz="2000" i="1" dirty="0" smtClean="0"/>
-              <a:t>keystore “C:\Users\</a:t>
-            </a:r>
-            <a:r>
-              <a:rPr lang="en-US" sz="2000" i="1" dirty="0" err="1" smtClean="0"/>
-              <a:t>roudy</a:t>
-            </a:r>
-            <a:r>
-              <a:rPr lang="en-US" sz="2000" i="1" dirty="0" smtClean="0"/>
-              <a:t>\</a:t>
-            </a:r>
-            <a:r>
-              <a:rPr lang="en-US" sz="2000" i="1" dirty="0" err="1" smtClean="0"/>
-              <a:t>MyCert.cert</a:t>
-            </a:r>
-            <a:r>
-              <a:rPr lang="en-US" sz="2000" i="1" dirty="0" smtClean="0"/>
-              <a:t>”</a:t>
-            </a:r>
+              <a:t>Créer</a:t>
+            </a:r>
+            <a:r>
+              <a:rPr lang="en-US" sz="2400" dirty="0" smtClean="0"/>
+              <a:t> </a:t>
+            </a:r>
+            <a:r>
+              <a:rPr lang="fr-FR" sz="2400" dirty="0" smtClean="0"/>
+              <a:t>une</a:t>
+            </a:r>
+            <a:r>
+              <a:rPr lang="en-US" sz="2400" dirty="0" smtClean="0"/>
+              <a:t> </a:t>
+            </a:r>
+            <a:r>
+              <a:rPr lang="fr-FR" sz="2400" dirty="0" smtClean="0"/>
+              <a:t>Certificat</a:t>
+            </a:r>
+            <a:endParaRPr lang="fr-FR" sz="2000" i="1" dirty="0" smtClean="0"/>
           </a:p>
           <a:p>
             <a:pPr marL="514350" indent="-514350">
@@ -5943,7 +6154,7 @@
             </a:pPr>
             <a:r>
               <a:rPr lang="en-US" sz="2400" dirty="0" smtClean="0"/>
-              <a:t>Modifier le </a:t>
+              <a:t>Modifier Configuration de Tomcat (le </a:t>
             </a:r>
             <a:r>
               <a:rPr lang="fr-FR" sz="2400" dirty="0" smtClean="0"/>
@@ -5951,7 +6162,7 @@
             </a:r>
             <a:r>
               <a:rPr lang="en-US" sz="2400" dirty="0" smtClean="0"/>
-              <a:t> server.xml (C:\Program Files\Apache Software Foundation\Tomcat 9.0\</a:t>
+              <a:t> server.xml C:\Program Files\Apache Software Foundation\Tomcat 9.0\</a:t>
             </a:r>
             <a:r>
               <a:rPr lang="en-US" sz="2400" dirty="0" err="1" smtClean="0"/>
@@ -6045,7 +6256,7 @@
         </p:blipFill>
         <p:spPr bwMode="auto">
           <a:xfrm>
-            <a:off x="480647" y="4355123"/>
+            <a:off x="435604" y="4149436"/>
             <a:ext cx="8369710" cy="762000"/>
           </a:xfrm>
           <a:prstGeom prst="rect">
@@ -6086,6 +6297,29 @@
           </a:extLst>
         </p:spPr>
       </p:pic>
+      <p:sp>
+        <p:nvSpPr>
+          <p:cNvPr id="12" name="Slide Number Placeholder 11"/>
+          <p:cNvSpPr>
+            <a:spLocks noGrp="1"/>
+          </p:cNvSpPr>
+          <p:nvPr>
+            <p:ph type="sldNum" sz="quarter" idx="12"/>
+          </p:nvPr>
+        </p:nvSpPr>
+        <p:spPr/>
+        <p:txBody>
+          <a:bodyPr/>
+          <a:lstStyle/>
+          <a:p>
+            <a:fld id="{1B3B9D33-F80B-4AF2-BDC2-5933B5EC27E4}" type="slidenum">
+              <a:rPr lang="fr-FR" smtClean="0"/>
+              <a:t>19</a:t>
+            </a:fld>
+            <a:endParaRPr lang="fr-FR"/>
+          </a:p>
+        </p:txBody>
+      </p:sp>
     </p:spTree>
     <p:extLst>
       <p:ext uri="{BB962C8B-B14F-4D97-AF65-F5344CB8AC3E}">
@@ -6280,6 +6514,29 @@
           </a:p>
         </p:txBody>
       </p:sp>
+      <p:sp>
+        <p:nvSpPr>
+          <p:cNvPr id="4" name="Slide Number Placeholder 3"/>
+          <p:cNvSpPr>
+            <a:spLocks noGrp="1"/>
+          </p:cNvSpPr>
+          <p:nvPr>
+            <p:ph type="sldNum" sz="quarter" idx="12"/>
+          </p:nvPr>
+        </p:nvSpPr>
+        <p:spPr/>
+        <p:txBody>
+          <a:bodyPr/>
+          <a:lstStyle/>
+          <a:p>
+            <a:fld id="{1B3B9D33-F80B-4AF2-BDC2-5933B5EC27E4}" type="slidenum">
+              <a:rPr lang="fr-FR" smtClean="0"/>
+              <a:t>2</a:t>
+            </a:fld>
+            <a:endParaRPr lang="fr-FR"/>
+          </a:p>
+        </p:txBody>
+      </p:sp>
     </p:spTree>
     <p:extLst>
       <p:ext uri="{BB962C8B-B14F-4D97-AF65-F5344CB8AC3E}">
@@ -6345,6 +6602,29 @@
           </a:p>
         </p:txBody>
       </p:sp>
+      <p:sp>
+        <p:nvSpPr>
+          <p:cNvPr id="4" name="Slide Number Placeholder 3"/>
+          <p:cNvSpPr>
+            <a:spLocks noGrp="1"/>
+          </p:cNvSpPr>
+          <p:nvPr>
+            <p:ph type="sldNum" sz="quarter" idx="12"/>
+          </p:nvPr>
+        </p:nvSpPr>
+        <p:spPr/>
+        <p:txBody>
+          <a:bodyPr/>
+          <a:lstStyle/>
+          <a:p>
+            <a:fld id="{1B3B9D33-F80B-4AF2-BDC2-5933B5EC27E4}" type="slidenum">
+              <a:rPr lang="fr-FR" smtClean="0"/>
+              <a:t>20</a:t>
+            </a:fld>
+            <a:endParaRPr lang="fr-FR"/>
+          </a:p>
+        </p:txBody>
+      </p:sp>
     </p:spTree>
     <p:extLst>
       <p:ext uri="{BB962C8B-B14F-4D97-AF65-F5344CB8AC3E}">
@@ -6451,6 +6731,29 @@
           </a:p>
         </p:txBody>
       </p:sp>
+      <p:sp>
+        <p:nvSpPr>
+          <p:cNvPr id="4" name="Slide Number Placeholder 3"/>
+          <p:cNvSpPr>
+            <a:spLocks noGrp="1"/>
+          </p:cNvSpPr>
+          <p:nvPr>
+            <p:ph type="sldNum" sz="quarter" idx="12"/>
+          </p:nvPr>
+        </p:nvSpPr>
+        <p:spPr/>
+        <p:txBody>
+          <a:bodyPr/>
+          <a:lstStyle/>
+          <a:p>
+            <a:fld id="{1B3B9D33-F80B-4AF2-BDC2-5933B5EC27E4}" type="slidenum">
+              <a:rPr lang="fr-FR" smtClean="0"/>
+              <a:t>3</a:t>
+            </a:fld>
+            <a:endParaRPr lang="fr-FR"/>
+          </a:p>
+        </p:txBody>
+      </p:sp>
     </p:spTree>
     <p:extLst>
       <p:ext uri="{BB962C8B-B14F-4D97-AF65-F5344CB8AC3E}">
@@ -6552,6 +6855,29 @@
           </a:p>
         </p:txBody>
       </p:sp>
+      <p:sp>
+        <p:nvSpPr>
+          <p:cNvPr id="5" name="Slide Number Placeholder 4"/>
+          <p:cNvSpPr>
+            <a:spLocks noGrp="1"/>
+          </p:cNvSpPr>
+          <p:nvPr>
+            <p:ph type="sldNum" sz="quarter" idx="12"/>
+          </p:nvPr>
+        </p:nvSpPr>
+        <p:spPr/>
+        <p:txBody>
+          <a:bodyPr/>
+          <a:lstStyle/>
+          <a:p>
+            <a:fld id="{1B3B9D33-F80B-4AF2-BDC2-5933B5EC27E4}" type="slidenum">
+              <a:rPr lang="fr-FR" smtClean="0"/>
+              <a:t>4</a:t>
+            </a:fld>
+            <a:endParaRPr lang="fr-FR"/>
+          </a:p>
+        </p:txBody>
+      </p:sp>
     </p:spTree>
     <p:extLst>
       <p:ext uri="{BB962C8B-B14F-4D97-AF65-F5344CB8AC3E}">
@@ -6643,6 +6969,29 @@
           </a:xfrm>
         </p:spPr>
       </p:pic>
+      <p:sp>
+        <p:nvSpPr>
+          <p:cNvPr id="5" name="Slide Number Placeholder 4"/>
+          <p:cNvSpPr>
+            <a:spLocks noGrp="1"/>
+          </p:cNvSpPr>
+          <p:nvPr>
+            <p:ph type="sldNum" sz="quarter" idx="12"/>
+          </p:nvPr>
+        </p:nvSpPr>
+        <p:spPr/>
+        <p:txBody>
+          <a:bodyPr/>
+          <a:lstStyle/>
+          <a:p>
+            <a:fld id="{1B3B9D33-F80B-4AF2-BDC2-5933B5EC27E4}" type="slidenum">
+              <a:rPr lang="fr-FR" smtClean="0"/>
+              <a:t>5</a:t>
+            </a:fld>
+            <a:endParaRPr lang="fr-FR"/>
+          </a:p>
+        </p:txBody>
+      </p:sp>
     </p:spTree>
     <p:extLst>
       <p:ext uri="{BB962C8B-B14F-4D97-AF65-F5344CB8AC3E}">
@@ -6751,6 +7100,29 @@
           </a:p>
         </p:txBody>
       </p:sp>
+      <p:sp>
+        <p:nvSpPr>
+          <p:cNvPr id="4" name="Slide Number Placeholder 3"/>
+          <p:cNvSpPr>
+            <a:spLocks noGrp="1"/>
+          </p:cNvSpPr>
+          <p:nvPr>
+            <p:ph type="sldNum" sz="quarter" idx="12"/>
+          </p:nvPr>
+        </p:nvSpPr>
+        <p:spPr/>
+        <p:txBody>
+          <a:bodyPr/>
+          <a:lstStyle/>
+          <a:p>
+            <a:fld id="{1B3B9D33-F80B-4AF2-BDC2-5933B5EC27E4}" type="slidenum">
+              <a:rPr lang="fr-FR" smtClean="0"/>
+              <a:t>6</a:t>
+            </a:fld>
+            <a:endParaRPr lang="fr-FR"/>
+          </a:p>
+        </p:txBody>
+      </p:sp>
     </p:spTree>
     <p:extLst>
       <p:ext uri="{BB962C8B-B14F-4D97-AF65-F5344CB8AC3E}">
@@ -6901,6 +7273,29 @@
           </a:p>
         </p:txBody>
       </p:sp>
+      <p:sp>
+        <p:nvSpPr>
+          <p:cNvPr id="4" name="Slide Number Placeholder 3"/>
+          <p:cNvSpPr>
+            <a:spLocks noGrp="1"/>
+          </p:cNvSpPr>
+          <p:nvPr>
+            <p:ph type="sldNum" sz="quarter" idx="12"/>
+          </p:nvPr>
+        </p:nvSpPr>
+        <p:spPr/>
+        <p:txBody>
+          <a:bodyPr/>
+          <a:lstStyle/>
+          <a:p>
+            <a:fld id="{1B3B9D33-F80B-4AF2-BDC2-5933B5EC27E4}" type="slidenum">
+              <a:rPr lang="fr-FR" smtClean="0"/>
+              <a:t>7</a:t>
+            </a:fld>
+            <a:endParaRPr lang="fr-FR"/>
+          </a:p>
+        </p:txBody>
+      </p:sp>
     </p:spTree>
     <p:extLst>
       <p:ext uri="{BB962C8B-B14F-4D97-AF65-F5344CB8AC3E}">
@@ -7026,6 +7421,29 @@
           </a:prstGeom>
         </p:spPr>
       </p:pic>
+      <p:sp>
+        <p:nvSpPr>
+          <p:cNvPr id="7" name="Slide Number Placeholder 6"/>
+          <p:cNvSpPr>
+            <a:spLocks noGrp="1"/>
+          </p:cNvSpPr>
+          <p:nvPr>
+            <p:ph type="sldNum" sz="quarter" idx="12"/>
+          </p:nvPr>
+        </p:nvSpPr>
+        <p:spPr/>
+        <p:txBody>
+          <a:bodyPr/>
+          <a:lstStyle/>
+          <a:p>
+            <a:fld id="{1B3B9D33-F80B-4AF2-BDC2-5933B5EC27E4}" type="slidenum">
+              <a:rPr lang="fr-FR" smtClean="0"/>
+              <a:t>8</a:t>
+            </a:fld>
+            <a:endParaRPr lang="fr-FR"/>
+          </a:p>
+        </p:txBody>
+      </p:sp>
     </p:spTree>
     <p:extLst>
       <p:ext uri="{BB962C8B-B14F-4D97-AF65-F5344CB8AC3E}">
@@ -7159,6 +7577,29 @@
               <a:buNone/>
             </a:pPr>
             <a:endParaRPr lang="fr-FR" dirty="0"/>
+          </a:p>
+        </p:txBody>
+      </p:sp>
+      <p:sp>
+        <p:nvSpPr>
+          <p:cNvPr id="4" name="Slide Number Placeholder 3"/>
+          <p:cNvSpPr>
+            <a:spLocks noGrp="1"/>
+          </p:cNvSpPr>
+          <p:nvPr>
+            <p:ph type="sldNum" sz="quarter" idx="12"/>
+          </p:nvPr>
+        </p:nvSpPr>
+        <p:spPr/>
+        <p:txBody>
+          <a:bodyPr/>
+          <a:lstStyle/>
+          <a:p>
+            <a:fld id="{1B3B9D33-F80B-4AF2-BDC2-5933B5EC27E4}" type="slidenum">
+              <a:rPr lang="fr-FR" smtClean="0"/>
+              <a:t>9</a:t>
+            </a:fld>
+            <a:endParaRPr lang="fr-FR"/>
           </a:p>
         </p:txBody>
       </p:sp>
